--- a/spring13/slides13/halting-problem-no-diagram.pptx
+++ b/spring13/slides13/halting-problem-no-diagram.pptx
@@ -4536,8 +4536,8 @@
         </p:nvSpPr>
         <p:spPr>
           <a:xfrm>
-            <a:off x="439025" y="1553713"/>
-            <a:ext cx="8470452" cy="3757571"/>
+            <a:off x="306225" y="1436621"/>
+            <a:ext cx="8529296" cy="5210831"/>
           </a:xfrm>
         </p:spPr>
         <p:txBody>
@@ -4545,11 +4545,11 @@
           <a:lstStyle/>
           <a:p>
             <a:r>
-              <a:rPr lang="en-US" dirty="0"/>
+              <a:rPr lang="en-US" sz="4800" dirty="0"/>
               <a:t>Let </a:t>
             </a:r>
             <a:r>
-              <a:rPr lang="en-US" dirty="0">
+              <a:rPr lang="en-US" sz="5400" dirty="0">
                 <a:solidFill>
                   <a:srgbClr val="0000FF"/>
                 </a:solidFill>
@@ -4557,22 +4557,22 @@
               <a:t>t</a:t>
             </a:r>
             <a:r>
-              <a:rPr lang="en-US" dirty="0"/>
+              <a:rPr lang="en-US" sz="4800" dirty="0"/>
               <a:t> be the text </a:t>
             </a:r>
             <a:r>
-              <a:rPr lang="en-US" dirty="0" smtClean="0"/>
+              <a:rPr lang="en-US" sz="4800" dirty="0" smtClean="0"/>
               <a:t>for </a:t>
             </a:r>
             <a:r>
-              <a:rPr lang="en-US" dirty="0" smtClean="0">
+              <a:rPr lang="en-US" sz="4800" dirty="0" smtClean="0">
                 <a:solidFill>
                   <a:srgbClr val="9933FF"/>
                 </a:solidFill>
               </a:rPr>
               <a:t>Q’</a:t>
             </a:r>
-            <a:endParaRPr lang="en-US" dirty="0">
+            <a:endParaRPr lang="en-US" sz="4800" dirty="0">
               <a:solidFill>
                 <a:srgbClr val="9933FF"/>
               </a:solidFill>
@@ -4580,41 +4580,195 @@
           </a:p>
           <a:p>
             <a:r>
-              <a:rPr lang="en-US" dirty="0"/>
+              <a:rPr lang="en-US" sz="4800" dirty="0"/>
               <a:t>So by </a:t>
             </a:r>
             <a:r>
+              <a:rPr lang="en-US" sz="4800" dirty="0" err="1" smtClean="0"/>
+              <a:t>def</a:t>
+            </a:r>
+            <a:r>
+              <a:rPr lang="en-US" sz="4800" dirty="0" smtClean="0"/>
+              <a:t> </a:t>
+            </a:r>
+            <a:r>
+              <a:rPr lang="en-US" sz="4800" dirty="0"/>
+              <a:t>of </a:t>
+            </a:r>
+            <a:r>
+              <a:rPr lang="en-US" sz="4800" dirty="0">
+                <a:solidFill>
+                  <a:srgbClr val="F50802"/>
+                </a:solidFill>
+              </a:rPr>
+              <a:t>HALTS</a:t>
+            </a:r>
+            <a:r>
+              <a:rPr lang="en-US" sz="4800" dirty="0"/>
+              <a:t>:</a:t>
+            </a:r>
+          </a:p>
+          <a:p>
+            <a:r>
+              <a:rPr lang="en-US" sz="4800" dirty="0"/>
+              <a:t>  </a:t>
+            </a:r>
+            <a:r>
+              <a:rPr lang="en-US" sz="5400" dirty="0" smtClean="0">
+                <a:solidFill>
+                  <a:srgbClr val="0000FF"/>
+                </a:solidFill>
+              </a:rPr>
+              <a:t>t</a:t>
+            </a:r>
+            <a:r>
+              <a:rPr lang="en-US" sz="4800" dirty="0" smtClean="0"/>
+              <a:t> </a:t>
+            </a:r>
+            <a:r>
+              <a:rPr lang="en-US" sz="4800" dirty="0">
+                <a:solidFill>
+                  <a:srgbClr val="F50802"/>
+                </a:solidFill>
+              </a:rPr>
+              <a:t>HALTS</a:t>
+            </a:r>
+            <a:r>
+              <a:rPr lang="en-US" sz="4800" dirty="0"/>
+              <a:t> </a:t>
+            </a:r>
+            <a:r>
+              <a:rPr lang="en-US" sz="4800" dirty="0" err="1"/>
+              <a:t>iff</a:t>
+            </a:r>
+            <a:r>
+              <a:rPr lang="en-US" sz="4800" dirty="0"/>
+              <a:t> </a:t>
+            </a:r>
+            <a:r>
+              <a:rPr lang="en-US" sz="4800" dirty="0">
+                <a:solidFill>
+                  <a:srgbClr val="9933FF"/>
+                </a:solidFill>
+              </a:rPr>
+              <a:t>Q'</a:t>
+            </a:r>
+            <a:r>
+              <a:rPr lang="en-US" sz="4800" dirty="0"/>
+              <a:t>(</a:t>
+            </a:r>
+            <a:r>
+              <a:rPr lang="en-US" sz="5400" dirty="0">
+                <a:solidFill>
+                  <a:srgbClr val="0000FF"/>
+                </a:solidFill>
+              </a:rPr>
+              <a:t>t</a:t>
+            </a:r>
+            <a:r>
+              <a:rPr lang="en-US" sz="4800" dirty="0"/>
+              <a:t>) </a:t>
+            </a:r>
+            <a:r>
+              <a:rPr lang="en-US" sz="4800" dirty="0" smtClean="0"/>
+              <a:t>returns</a:t>
+            </a:r>
+            <a:endParaRPr lang="en-US" sz="4800" dirty="0"/>
+          </a:p>
+          <a:p>
+            <a:r>
+              <a:rPr lang="en-US" sz="4800" dirty="0"/>
+              <a:t>and by </a:t>
+            </a:r>
+            <a:r>
+              <a:rPr lang="en-US" sz="4800" dirty="0" err="1"/>
+              <a:t>def</a:t>
+            </a:r>
+            <a:r>
+              <a:rPr lang="en-US" sz="4800" dirty="0"/>
+              <a:t> of </a:t>
+            </a:r>
+            <a:r>
+              <a:rPr lang="en-US" sz="4800" dirty="0" smtClean="0">
+                <a:solidFill>
+                  <a:srgbClr val="9933FF"/>
+                </a:solidFill>
+              </a:rPr>
+              <a:t>Q</a:t>
+            </a:r>
+            <a:r>
+              <a:rPr lang="en-US" sz="4800" dirty="0" smtClean="0">
+                <a:solidFill>
+                  <a:srgbClr val="9933FF"/>
+                </a:solidFill>
+              </a:rPr>
+              <a:t>’</a:t>
+            </a:r>
+            <a:r>
+              <a:rPr lang="en-US" sz="4800" dirty="0" smtClean="0"/>
+              <a:t>:</a:t>
+            </a:r>
+            <a:endParaRPr lang="en-US" sz="4800" dirty="0"/>
+          </a:p>
+          <a:p>
+            <a:r>
+              <a:rPr lang="en-US" sz="4400" dirty="0" smtClean="0">
+                <a:solidFill>
+                  <a:srgbClr val="9933FF"/>
+                </a:solidFill>
+              </a:rPr>
+              <a:t>Q</a:t>
+            </a:r>
+            <a:r>
+              <a:rPr lang="en-US" sz="4400" dirty="0">
+                <a:solidFill>
+                  <a:srgbClr val="9933FF"/>
+                </a:solidFill>
+              </a:rPr>
+              <a:t>'</a:t>
+            </a:r>
+            <a:r>
+              <a:rPr lang="en-US" sz="4400" dirty="0"/>
+              <a:t>(</a:t>
+            </a:r>
+            <a:r>
+              <a:rPr lang="en-US" sz="4800" dirty="0">
+                <a:solidFill>
+                  <a:srgbClr val="0000FF"/>
+                </a:solidFill>
+              </a:rPr>
+              <a:t>t</a:t>
+            </a:r>
+            <a:r>
+              <a:rPr lang="en-US" sz="4400" dirty="0"/>
+              <a:t>) </a:t>
+            </a:r>
+            <a:r>
+              <a:rPr lang="en-US" sz="4400" dirty="0" smtClean="0"/>
+              <a:t>returns </a:t>
+            </a:r>
+            <a:r>
               <a:rPr lang="en-US" dirty="0" err="1" smtClean="0"/>
-              <a:t>def</a:t>
+              <a:t>iff</a:t>
             </a:r>
             <a:r>
               <a:rPr lang="en-US" dirty="0" smtClean="0"/>
               <a:t> </a:t>
             </a:r>
             <a:r>
-              <a:rPr lang="en-US" dirty="0"/>
-              <a:t>of </a:t>
-            </a:r>
-            <a:r>
-              <a:rPr lang="en-US" dirty="0">
+              <a:rPr lang="en-US" sz="3200" dirty="0" smtClean="0">
                 <a:solidFill>
                   <a:srgbClr val="F50802"/>
                 </a:solidFill>
               </a:rPr>
-              <a:t>HALTS</a:t>
-            </a:r>
-            <a:r>
-              <a:rPr lang="en-US" dirty="0"/>
-              <a:t>:</a:t>
-            </a:r>
-          </a:p>
-          <a:p>
-            <a:r>
-              <a:rPr lang="en-US" dirty="0"/>
-              <a:t>  </a:t>
-            </a:r>
-            <a:r>
-              <a:rPr lang="en-US" dirty="0" smtClean="0">
+              <a:t>NOT</a:t>
+            </a:r>
+            <a:r>
+              <a:rPr lang="en-US" sz="4400" dirty="0" smtClean="0"/>
+              <a:t>(</a:t>
+            </a:r>
+            <a:r>
+              <a:rPr lang="en-US" sz="4800" dirty="0" smtClean="0">
                 <a:solidFill>
                   <a:srgbClr val="0000FF"/>
                 </a:solidFill>
@@ -4622,167 +4776,18 @@
               <a:t>t</a:t>
             </a:r>
             <a:r>
-              <a:rPr lang="en-US" dirty="0" smtClean="0"/>
+              <a:rPr lang="en-US" sz="4400" dirty="0" smtClean="0"/>
               <a:t> </a:t>
             </a:r>
             <a:r>
-              <a:rPr lang="en-US" dirty="0">
+              <a:rPr lang="en-US" sz="4400" dirty="0" smtClean="0">
                 <a:solidFill>
                   <a:srgbClr val="F50802"/>
                 </a:solidFill>
               </a:rPr>
-              <a:t>HALTS</a:t>
-            </a:r>
-            <a:r>
-              <a:rPr lang="en-US" dirty="0"/>
-              <a:t> </a:t>
-            </a:r>
-            <a:r>
-              <a:rPr lang="en-US" dirty="0" err="1"/>
-              <a:t>iff</a:t>
-            </a:r>
-            <a:r>
-              <a:rPr lang="en-US" dirty="0"/>
-              <a:t> </a:t>
-            </a:r>
-            <a:r>
-              <a:rPr lang="en-US" dirty="0">
-                <a:solidFill>
-                  <a:srgbClr val="9933FF"/>
-                </a:solidFill>
-              </a:rPr>
-              <a:t>Q'</a:t>
-            </a:r>
-            <a:r>
-              <a:rPr lang="en-US" dirty="0"/>
-              <a:t>(</a:t>
-            </a:r>
-            <a:r>
-              <a:rPr lang="en-US" dirty="0">
-                <a:solidFill>
-                  <a:srgbClr val="0000FF"/>
-                </a:solidFill>
-              </a:rPr>
-              <a:t>t</a:t>
-            </a:r>
-            <a:r>
-              <a:rPr lang="en-US" dirty="0"/>
-              <a:t>) </a:t>
-            </a:r>
-            <a:r>
-              <a:rPr lang="en-US" dirty="0" smtClean="0"/>
-              <a:t>returns</a:t>
+              <a:t>HALTS)</a:t>
             </a:r>
             <a:endParaRPr lang="en-US" dirty="0"/>
-          </a:p>
-          <a:p>
-            <a:r>
-              <a:rPr lang="en-US" dirty="0"/>
-              <a:t>and by </a:t>
-            </a:r>
-            <a:r>
-              <a:rPr lang="en-US" dirty="0" err="1"/>
-              <a:t>def</a:t>
-            </a:r>
-            <a:r>
-              <a:rPr lang="en-US" dirty="0"/>
-              <a:t> of </a:t>
-            </a:r>
-            <a:r>
-              <a:rPr lang="en-US" dirty="0" smtClean="0">
-                <a:solidFill>
-                  <a:srgbClr val="9933FF"/>
-                </a:solidFill>
-              </a:rPr>
-              <a:t>Q’</a:t>
-            </a:r>
-            <a:endParaRPr lang="en-US" dirty="0">
-              <a:solidFill>
-                <a:srgbClr val="9933FF"/>
-              </a:solidFill>
-            </a:endParaRPr>
-          </a:p>
-          <a:p>
-            <a:r>
-              <a:rPr lang="en-US" dirty="0" smtClean="0">
-                <a:solidFill>
-                  <a:srgbClr val="9933FF"/>
-                </a:solidFill>
-              </a:rPr>
-              <a:t>Q</a:t>
-            </a:r>
-            <a:r>
-              <a:rPr lang="en-US" dirty="0">
-                <a:solidFill>
-                  <a:srgbClr val="9933FF"/>
-                </a:solidFill>
-              </a:rPr>
-              <a:t>'</a:t>
-            </a:r>
-            <a:r>
-              <a:rPr lang="en-US" dirty="0"/>
-              <a:t>(</a:t>
-            </a:r>
-            <a:r>
-              <a:rPr lang="en-US" dirty="0">
-                <a:solidFill>
-                  <a:srgbClr val="0000FF"/>
-                </a:solidFill>
-              </a:rPr>
-              <a:t>t</a:t>
-            </a:r>
-            <a:r>
-              <a:rPr lang="en-US" dirty="0"/>
-              <a:t>) </a:t>
-            </a:r>
-            <a:r>
-              <a:rPr lang="en-US" dirty="0" smtClean="0"/>
-              <a:t>returns </a:t>
-            </a:r>
-            <a:r>
-              <a:rPr lang="en-US" dirty="0" err="1"/>
-              <a:t>iff</a:t>
-            </a:r>
-            <a:r>
-              <a:rPr lang="en-US" dirty="0"/>
-              <a:t> </a:t>
-            </a:r>
-            <a:r>
-              <a:rPr lang="en-US" dirty="0">
-                <a:solidFill>
-                  <a:srgbClr val="0000FF"/>
-                </a:solidFill>
-              </a:rPr>
-              <a:t>t</a:t>
-            </a:r>
-            <a:r>
-              <a:rPr lang="en-US" dirty="0"/>
-              <a:t> does </a:t>
-            </a:r>
-            <a:r>
-              <a:rPr lang="en-US" dirty="0">
-                <a:solidFill>
-                  <a:srgbClr val="F50802"/>
-                </a:solidFill>
-              </a:rPr>
-              <a:t>not</a:t>
-            </a:r>
-            <a:r>
-              <a:rPr lang="en-US" dirty="0"/>
-              <a:t> </a:t>
-            </a:r>
-            <a:r>
-              <a:rPr lang="en-US" dirty="0">
-                <a:solidFill>
-                  <a:srgbClr val="F50802"/>
-                </a:solidFill>
-              </a:rPr>
-              <a:t>HALT</a:t>
-            </a:r>
-            <a:r>
-              <a:rPr lang="en-US" dirty="0"/>
-              <a:t>.</a:t>
-            </a:r>
           </a:p>
         </p:txBody>
       </p:sp>
@@ -5157,12 +5162,20 @@
           </a:p>
           <a:p>
             <a:r>
+              <a:rPr lang="en-US" sz="4800" dirty="0" smtClean="0">
+                <a:solidFill>
+                  <a:srgbClr val="0000FF"/>
+                </a:solidFill>
+              </a:rPr>
+              <a:t>t</a:t>
+            </a:r>
+            <a:r>
               <a:rPr lang="en-US" sz="4400" dirty="0" smtClean="0">
                 <a:solidFill>
                   <a:srgbClr val="0000FF"/>
                 </a:solidFill>
               </a:rPr>
-              <a:t>t </a:t>
+              <a:t> </a:t>
             </a:r>
             <a:r>
               <a:rPr lang="en-US" sz="4400" dirty="0">
@@ -5185,24 +5198,36 @@
               <a:t> </a:t>
             </a:r>
             <a:r>
+              <a:rPr lang="en-US" sz="3600" dirty="0">
+                <a:solidFill>
+                  <a:srgbClr val="F50802"/>
+                </a:solidFill>
+              </a:rPr>
+              <a:t>NOT</a:t>
+            </a:r>
+            <a:r>
+              <a:rPr lang="en-US" sz="4400" dirty="0"/>
+              <a:t>(</a:t>
+            </a:r>
+            <a:r>
+              <a:rPr lang="en-US" sz="4800" dirty="0">
+                <a:solidFill>
+                  <a:srgbClr val="0000FF"/>
+                </a:solidFill>
+              </a:rPr>
+              <a:t>t</a:t>
+            </a:r>
+            <a:r>
+              <a:rPr lang="en-US" sz="4400" dirty="0"/>
+              <a:t> </a:t>
+            </a:r>
+            <a:r>
               <a:rPr lang="en-US" sz="4400" dirty="0">
                 <a:solidFill>
-                  <a:srgbClr val="0000FF"/>
-                </a:solidFill>
-              </a:rPr>
-              <a:t>t </a:t>
-            </a:r>
-            <a:r>
-              <a:rPr lang="en-US" sz="4400" dirty="0"/>
-              <a:t>does </a:t>
-            </a:r>
-            <a:r>
-              <a:rPr lang="en-US" sz="4400" dirty="0">
-                <a:solidFill>
                   <a:srgbClr val="F50802"/>
                 </a:solidFill>
               </a:rPr>
-              <a:t>not </a:t>
+              <a:t>HALTS</a:t>
             </a:r>
             <a:r>
               <a:rPr lang="en-US" sz="4400" dirty="0" smtClean="0">
@@ -5210,8 +5235,13 @@
                   <a:srgbClr val="F50802"/>
                 </a:solidFill>
               </a:rPr>
-              <a:t>HALT</a:t>
-            </a:r>
+              <a:t>)</a:t>
+            </a:r>
+            <a:endParaRPr lang="en-US" sz="4400" dirty="0" smtClean="0">
+              <a:solidFill>
+                <a:srgbClr val="F50802"/>
+              </a:solidFill>
+            </a:endParaRPr>
           </a:p>
           <a:p>
             <a:r>
@@ -5780,7 +5810,7 @@
         </p:nvSpPr>
         <p:spPr>
           <a:xfrm>
-            <a:off x="280633" y="1313165"/>
+            <a:off x="275870" y="1376218"/>
             <a:ext cx="8585909" cy="5054901"/>
           </a:xfrm>
         </p:spPr>
@@ -5878,7 +5908,29 @@
             </a:r>
             <a:r>
               <a:rPr lang="en-US" dirty="0" smtClean="0"/>
-              <a:t> would cause a run-time type error</a:t>
+              <a:t> would cause </a:t>
+            </a:r>
+            <a:r>
+              <a:rPr lang="en-US" dirty="0" smtClean="0"/>
+              <a:t>  </a:t>
+            </a:r>
+          </a:p>
+          <a:p>
+            <a:r>
+              <a:rPr lang="en-US" dirty="0"/>
+              <a:t> </a:t>
+            </a:r>
+            <a:r>
+              <a:rPr lang="en-US" dirty="0" smtClean="0"/>
+              <a:t>                   </a:t>
+            </a:r>
+            <a:r>
+              <a:rPr lang="en-US" dirty="0" smtClean="0"/>
+              <a:t>a </a:t>
+            </a:r>
+            <a:r>
+              <a:rPr lang="en-US" dirty="0" smtClean="0"/>
+              <a:t>run-time type error</a:t>
             </a:r>
           </a:p>
           <a:p>
@@ -6269,6 +6321,67 @@
                       </p:childTnLst>
                     </p:cTn>
                   </p:par>
+                  <p:par>
+                    <p:cTn id="29" fill="hold">
+                      <p:stCondLst>
+                        <p:cond delay="indefinite"/>
+                      </p:stCondLst>
+                      <p:childTnLst>
+                        <p:par>
+                          <p:cTn id="30" fill="hold">
+                            <p:stCondLst>
+                              <p:cond delay="0"/>
+                            </p:stCondLst>
+                            <p:childTnLst>
+                              <p:par>
+                                <p:cTn id="31" presetID="10" presetClass="entr" presetSubtype="0" fill="hold" nodeType="clickEffect">
+                                  <p:stCondLst>
+                                    <p:cond delay="0"/>
+                                  </p:stCondLst>
+                                  <p:childTnLst>
+                                    <p:set>
+                                      <p:cBhvr>
+                                        <p:cTn id="32" dur="1" fill="hold">
+                                          <p:stCondLst>
+                                            <p:cond delay="0"/>
+                                          </p:stCondLst>
+                                        </p:cTn>
+                                        <p:tgtEl>
+                                          <p:spTgt spid="3">
+                                            <p:txEl>
+                                              <p:pRg st="6" end="6"/>
+                                            </p:txEl>
+                                          </p:spTgt>
+                                        </p:tgtEl>
+                                        <p:attrNameLst>
+                                          <p:attrName>style.visibility</p:attrName>
+                                        </p:attrNameLst>
+                                      </p:cBhvr>
+                                      <p:to>
+                                        <p:strVal val="visible"/>
+                                      </p:to>
+                                    </p:set>
+                                    <p:animEffect transition="in" filter="fade">
+                                      <p:cBhvr>
+                                        <p:cTn id="33" dur="500"/>
+                                        <p:tgtEl>
+                                          <p:spTgt spid="3">
+                                            <p:txEl>
+                                              <p:pRg st="6" end="6"/>
+                                            </p:txEl>
+                                          </p:spTgt>
+                                        </p:tgtEl>
+                                      </p:cBhvr>
+                                    </p:animEffect>
+                                  </p:childTnLst>
+                                </p:cTn>
+                              </p:par>
+                            </p:childTnLst>
+                          </p:cTn>
+                        </p:par>
+                      </p:childTnLst>
+                    </p:cTn>
+                  </p:par>
                 </p:childTnLst>
               </p:cTn>
               <p:prevCondLst>
@@ -6351,8 +6464,8 @@
         </p:nvSpPr>
         <p:spPr>
           <a:xfrm>
-            <a:off x="280633" y="1313166"/>
-            <a:ext cx="8609601" cy="4411858"/>
+            <a:off x="280634" y="1394229"/>
+            <a:ext cx="8590916" cy="4154318"/>
           </a:xfrm>
         </p:spPr>
         <p:txBody>
@@ -6632,8 +6745,8 @@
         </p:nvSpPr>
         <p:spPr>
           <a:xfrm>
-            <a:off x="290254" y="1313165"/>
-            <a:ext cx="8585909" cy="5054901"/>
+            <a:off x="290255" y="1313166"/>
+            <a:ext cx="8563282" cy="4820866"/>
           </a:xfrm>
         </p:spPr>
         <p:txBody>
@@ -6720,7 +6833,7 @@
             </a:r>
             <a:r>
               <a:rPr lang="en-US" sz="4800" dirty="0" smtClean="0"/>
-              <a:t> successfully.</a:t>
+              <a:t>.</a:t>
             </a:r>
             <a:endParaRPr lang="en-US" sz="4800" dirty="0"/>
           </a:p>
@@ -6975,7 +7088,15 @@
             </a:r>
             <a:r>
               <a:rPr lang="en-US" sz="4400" dirty="0" smtClean="0"/>
-              <a:t> has a run-time type error</a:t>
+              <a:t> </a:t>
+            </a:r>
+            <a:r>
+              <a:rPr lang="en-US" sz="4400" dirty="0" smtClean="0"/>
+              <a:t>makes </a:t>
+            </a:r>
+            <a:r>
+              <a:rPr lang="en-US" sz="4400" dirty="0" smtClean="0"/>
+              <a:t>run-time type error</a:t>
             </a:r>
           </a:p>
           <a:p>
@@ -7528,7 +7649,11 @@
             </a:r>
             <a:r>
               <a:rPr lang="en-US" sz="4400" dirty="0" smtClean="0"/>
-              <a:t> has </a:t>
+              <a:t> </a:t>
+            </a:r>
+            <a:r>
+              <a:rPr lang="en-US" sz="4400" dirty="0" smtClean="0"/>
+              <a:t>makes </a:t>
             </a:r>
             <a:r>
               <a:rPr lang="en-US" sz="4400" dirty="0" smtClean="0">
@@ -7536,12 +7661,21 @@
                   <a:srgbClr val="008000"/>
                 </a:solidFill>
               </a:rPr>
-              <a:t>no run-time type</a:t>
+              <a:t>no </a:t>
+            </a:r>
+            <a:r>
+              <a:rPr lang="en-US" sz="4400" dirty="0" smtClean="0">
+                <a:solidFill>
+                  <a:srgbClr val="000000"/>
+                </a:solidFill>
+              </a:rPr>
+              <a:t>run-time </a:t>
             </a:r>
             <a:r>
               <a:rPr lang="en-US" sz="4400" dirty="0" smtClean="0"/>
-              <a:t> error</a:t>
-            </a:r>
+              <a:t>error</a:t>
+            </a:r>
+            <a:endParaRPr lang="en-US" sz="4400" dirty="0" smtClean="0"/>
           </a:p>
           <a:p>
             <a:r>
@@ -7902,8 +8036,8 @@
         </p:nvSpPr>
         <p:spPr>
           <a:xfrm>
-            <a:off x="280633" y="1313165"/>
-            <a:ext cx="8542251" cy="4152067"/>
+            <a:off x="548079" y="1622576"/>
+            <a:ext cx="8062287" cy="3718805"/>
           </a:xfrm>
         </p:spPr>
         <p:txBody>
@@ -7911,32 +8045,102 @@
           <a:lstStyle/>
           <a:p>
             <a:r>
+              <a:rPr lang="en-US" sz="4800" dirty="0" smtClean="0">
+                <a:solidFill>
+                  <a:srgbClr val="9933FF"/>
+                </a:solidFill>
+              </a:rPr>
+              <a:t>H</a:t>
+            </a:r>
+            <a:r>
               <a:rPr lang="en-US" sz="4800" dirty="0" smtClean="0"/>
-              <a:t>This shows that </a:t>
+              <a:t> </a:t>
+            </a:r>
+            <a:r>
+              <a:rPr lang="en-US" sz="4800" dirty="0" smtClean="0"/>
+              <a:t>solves the </a:t>
+            </a:r>
+            <a:r>
+              <a:rPr lang="en-US" sz="4800" dirty="0" smtClean="0"/>
+              <a:t>Halting </a:t>
+            </a:r>
+          </a:p>
+          <a:p>
+            <a:r>
+              <a:rPr lang="en-US" sz="4800" dirty="0" smtClean="0"/>
+              <a:t>Problem</a:t>
+            </a:r>
+            <a:r>
+              <a:rPr lang="en-US" sz="4800" dirty="0" smtClean="0"/>
+              <a:t>, </a:t>
+            </a:r>
+            <a:r>
+              <a:rPr lang="en-US" sz="4800" dirty="0" smtClean="0"/>
+              <a:t>a </a:t>
             </a:r>
             <a:r>
               <a:rPr lang="en-US" sz="4800" dirty="0" smtClean="0">
                 <a:solidFill>
+                  <a:srgbClr val="F50802"/>
+                </a:solidFill>
+              </a:rPr>
+              <a:t>contradiction</a:t>
+            </a:r>
+            <a:r>
+              <a:rPr lang="en-US" sz="4800" dirty="0" smtClean="0"/>
+              <a:t>.</a:t>
+            </a:r>
+          </a:p>
+          <a:p>
+            <a:r>
+              <a:rPr lang="en-US" sz="4800" dirty="0" smtClean="0"/>
+              <a:t>So </a:t>
+            </a:r>
+            <a:r>
+              <a:rPr lang="en-US" sz="4800" dirty="0" smtClean="0">
+                <a:solidFill>
                   <a:srgbClr val="9933FF"/>
                 </a:solidFill>
               </a:rPr>
-              <a:t>H</a:t>
+              <a:t>C</a:t>
             </a:r>
             <a:r>
               <a:rPr lang="en-US" sz="4800" dirty="0" smtClean="0"/>
-              <a:t> solves the Halting Problem, which is impossible, so </a:t>
+              <a:t> </a:t>
+            </a:r>
+            <a:r>
+              <a:rPr lang="en-US" sz="4800" dirty="0" smtClean="0"/>
+              <a:t>must </a:t>
             </a:r>
             <a:r>
               <a:rPr lang="en-US" sz="4800" dirty="0" smtClean="0">
                 <a:solidFill>
-                  <a:srgbClr val="9933FF"/>
-                </a:solidFill>
-              </a:rPr>
-              <a:t>C</a:t>
+                  <a:srgbClr val="F50802"/>
+                </a:solidFill>
+              </a:rPr>
+              <a:t>not</a:t>
             </a:r>
             <a:r>
               <a:rPr lang="en-US" sz="4800" dirty="0" smtClean="0"/>
-              <a:t> must not be a perfect run-time type error checker.</a:t>
+              <a:t> </a:t>
+            </a:r>
+            <a:r>
+              <a:rPr lang="en-US" sz="4800" dirty="0" smtClean="0"/>
+              <a:t>error </a:t>
+            </a:r>
+            <a:r>
+              <a:rPr lang="en-US" sz="4800" dirty="0" smtClean="0"/>
+              <a:t>check</a:t>
+            </a:r>
+          </a:p>
+          <a:p>
+            <a:r>
+              <a:rPr lang="en-US" sz="4800" dirty="0" smtClean="0"/>
+              <a:t>correctly</a:t>
+            </a:r>
+            <a:r>
+              <a:rPr lang="en-US" sz="4800" dirty="0" smtClean="0"/>
+              <a:t>.</a:t>
             </a:r>
             <a:endParaRPr lang="en-US" sz="4400" dirty="0" smtClean="0"/>
           </a:p>
@@ -7958,7 +8162,152 @@
   <p:timing>
     <p:tnLst>
       <p:par>
-        <p:cTn xmlns:p14="http://schemas.microsoft.com/office/powerpoint/2010/main" id="1" dur="indefinite" restart="never" nodeType="tmRoot"/>
+        <p:cTn xmlns:p14="http://schemas.microsoft.com/office/powerpoint/2010/main" id="1" dur="indefinite" restart="never" nodeType="tmRoot">
+          <p:childTnLst>
+            <p:seq concurrent="1" nextAc="seek">
+              <p:cTn id="2" dur="indefinite" nodeType="mainSeq">
+                <p:childTnLst>
+                  <p:par>
+                    <p:cTn id="3" fill="hold">
+                      <p:stCondLst>
+                        <p:cond delay="indefinite"/>
+                      </p:stCondLst>
+                      <p:childTnLst>
+                        <p:par>
+                          <p:cTn id="4" fill="hold">
+                            <p:stCondLst>
+                              <p:cond delay="0"/>
+                            </p:stCondLst>
+                            <p:childTnLst>
+                              <p:par>
+                                <p:cTn id="5" presetID="10" presetClass="entr" presetSubtype="0" fill="hold" nodeType="clickEffect">
+                                  <p:stCondLst>
+                                    <p:cond delay="0"/>
+                                  </p:stCondLst>
+                                  <p:childTnLst>
+                                    <p:set>
+                                      <p:cBhvr>
+                                        <p:cTn id="6" dur="1" fill="hold">
+                                          <p:stCondLst>
+                                            <p:cond delay="0"/>
+                                          </p:stCondLst>
+                                        </p:cTn>
+                                        <p:tgtEl>
+                                          <p:spTgt spid="3">
+                                            <p:txEl>
+                                              <p:pRg st="2" end="2"/>
+                                            </p:txEl>
+                                          </p:spTgt>
+                                        </p:tgtEl>
+                                        <p:attrNameLst>
+                                          <p:attrName>style.visibility</p:attrName>
+                                        </p:attrNameLst>
+                                      </p:cBhvr>
+                                      <p:to>
+                                        <p:strVal val="visible"/>
+                                      </p:to>
+                                    </p:set>
+                                    <p:animEffect transition="in" filter="fade">
+                                      <p:cBhvr>
+                                        <p:cTn id="7" dur="500"/>
+                                        <p:tgtEl>
+                                          <p:spTgt spid="3">
+                                            <p:txEl>
+                                              <p:pRg st="2" end="2"/>
+                                            </p:txEl>
+                                          </p:spTgt>
+                                        </p:tgtEl>
+                                      </p:cBhvr>
+                                    </p:animEffect>
+                                  </p:childTnLst>
+                                </p:cTn>
+                              </p:par>
+                            </p:childTnLst>
+                          </p:cTn>
+                        </p:par>
+                      </p:childTnLst>
+                    </p:cTn>
+                  </p:par>
+                  <p:par>
+                    <p:cTn id="8" fill="hold">
+                      <p:stCondLst>
+                        <p:cond delay="indefinite"/>
+                      </p:stCondLst>
+                      <p:childTnLst>
+                        <p:par>
+                          <p:cTn id="9" fill="hold">
+                            <p:stCondLst>
+                              <p:cond delay="0"/>
+                            </p:stCondLst>
+                            <p:childTnLst>
+                              <p:par>
+                                <p:cTn id="10" presetID="10" presetClass="entr" presetSubtype="0" fill="hold" nodeType="clickEffect">
+                                  <p:stCondLst>
+                                    <p:cond delay="0"/>
+                                  </p:stCondLst>
+                                  <p:childTnLst>
+                                    <p:set>
+                                      <p:cBhvr>
+                                        <p:cTn id="11" dur="1" fill="hold">
+                                          <p:stCondLst>
+                                            <p:cond delay="0"/>
+                                          </p:stCondLst>
+                                        </p:cTn>
+                                        <p:tgtEl>
+                                          <p:spTgt spid="3">
+                                            <p:txEl>
+                                              <p:pRg st="3" end="3"/>
+                                            </p:txEl>
+                                          </p:spTgt>
+                                        </p:tgtEl>
+                                        <p:attrNameLst>
+                                          <p:attrName>style.visibility</p:attrName>
+                                        </p:attrNameLst>
+                                      </p:cBhvr>
+                                      <p:to>
+                                        <p:strVal val="visible"/>
+                                      </p:to>
+                                    </p:set>
+                                    <p:animEffect transition="in" filter="fade">
+                                      <p:cBhvr>
+                                        <p:cTn id="12" dur="500"/>
+                                        <p:tgtEl>
+                                          <p:spTgt spid="3">
+                                            <p:txEl>
+                                              <p:pRg st="3" end="3"/>
+                                            </p:txEl>
+                                          </p:spTgt>
+                                        </p:tgtEl>
+                                      </p:cBhvr>
+                                    </p:animEffect>
+                                  </p:childTnLst>
+                                </p:cTn>
+                              </p:par>
+                            </p:childTnLst>
+                          </p:cTn>
+                        </p:par>
+                      </p:childTnLst>
+                    </p:cTn>
+                  </p:par>
+                </p:childTnLst>
+              </p:cTn>
+              <p:prevCondLst>
+                <p:cond evt="onPrev" delay="0">
+                  <p:tgtEl>
+                    <p:sldTgt/>
+                  </p:tgtEl>
+                </p:cond>
+              </p:prevCondLst>
+              <p:nextCondLst>
+                <p:cond evt="onNext" delay="0">
+                  <p:tgtEl>
+                    <p:sldTgt/>
+                  </p:tgtEl>
+                </p:cond>
+              </p:nextCondLst>
+            </p:seq>
+          </p:childTnLst>
+        </p:cTn>
       </p:par>
     </p:tnLst>
   </p:timing>
@@ -7995,7 +8344,7 @@
         <p:spPr>
           <a:xfrm>
             <a:off x="1660549" y="363538"/>
-            <a:ext cx="6794500" cy="1003300"/>
+            <a:ext cx="6877754" cy="1140696"/>
           </a:xfrm>
         </p:spPr>
         <p:txBody>
@@ -8003,8 +8352,16 @@
           <a:lstStyle/>
           <a:p>
             <a:r>
+              <a:rPr lang="en-US" dirty="0" smtClean="0">
+                <a:solidFill>
+                  <a:srgbClr val="0000FF"/>
+                </a:solidFill>
+              </a:rPr>
+              <a:t>No</a:t>
+            </a:r>
+            <a:r>
               <a:rPr lang="en-US" dirty="0" smtClean="0"/>
-              <a:t>No run-time properties</a:t>
+              <a:t> run-time properties</a:t>
             </a:r>
             <a:br>
               <a:rPr lang="en-US" dirty="0" smtClean="0"/>
@@ -8029,8 +8386,8 @@
         </p:nvSpPr>
         <p:spPr>
           <a:xfrm>
-            <a:off x="347981" y="1428626"/>
-            <a:ext cx="8407552" cy="4710138"/>
+            <a:off x="347981" y="1635787"/>
+            <a:ext cx="8415488" cy="4056873"/>
           </a:xfrm>
         </p:spPr>
         <p:txBody>
@@ -8044,10 +8401,42 @@
             <a:r>
               <a:rPr lang="en-US" sz="4800" dirty="0" smtClean="0">
                 <a:solidFill>
+                  <a:srgbClr val="F50802"/>
+                </a:solidFill>
+              </a:rPr>
+              <a:t>no</a:t>
+            </a:r>
+            <a:r>
+              <a:rPr lang="en-US" sz="4800" dirty="0" smtClean="0">
+                <a:solidFill>
                   <a:srgbClr val="008000"/>
                 </a:solidFill>
               </a:rPr>
-              <a:t>no perfect computable program checker</a:t>
+              <a:t> </a:t>
+            </a:r>
+            <a:r>
+              <a:rPr lang="en-US" sz="4800" dirty="0" smtClean="0">
+                <a:solidFill>
+                  <a:srgbClr val="0000FF"/>
+                </a:solidFill>
+              </a:rPr>
+              <a:t>perfect</a:t>
+            </a:r>
+            <a:r>
+              <a:rPr lang="en-US" sz="4800" dirty="0" smtClean="0">
+                <a:solidFill>
+                  <a:srgbClr val="008000"/>
+                </a:solidFill>
+              </a:rPr>
+              <a:t> </a:t>
+            </a:r>
+            <a:r>
+              <a:rPr lang="en-US" sz="4800" dirty="0" smtClean="0">
+                <a:solidFill>
+                  <a:srgbClr val="0000FF"/>
+                </a:solidFill>
+              </a:rPr>
+              <a:t>checker</a:t>
             </a:r>
             <a:r>
               <a:rPr lang="en-US" sz="4800" dirty="0" smtClean="0"/>
@@ -8059,11 +8448,27 @@
                   <a:srgbClr val="0000FF"/>
                 </a:solidFill>
               </a:rPr>
-              <a:t>any property</a:t>
+              <a:t>any </a:t>
             </a:r>
             <a:r>
               <a:rPr lang="en-US" sz="4800" dirty="0" smtClean="0"/>
-              <a:t> of computation outcomes.</a:t>
+              <a:t>property of </a:t>
+            </a:r>
+            <a:r>
+              <a:rPr lang="en-US" sz="4800" dirty="0" smtClean="0">
+                <a:solidFill>
+                  <a:srgbClr val="9933FF"/>
+                </a:solidFill>
+              </a:rPr>
+              <a:t>procedure</a:t>
+            </a:r>
+            <a:r>
+              <a:rPr lang="en-US" sz="4800" dirty="0" smtClean="0"/>
+              <a:t> </a:t>
+            </a:r>
+            <a:r>
+              <a:rPr lang="en-US" sz="4800" dirty="0" smtClean="0"/>
+              <a:t>outcomes.</a:t>
             </a:r>
             <a:endParaRPr lang="en-US" sz="4800" dirty="0"/>
           </a:p>
@@ -8189,8 +8594,8 @@
         </p:nvSpPr>
         <p:spPr>
           <a:xfrm>
-            <a:off x="160284" y="1310420"/>
-            <a:ext cx="8877372" cy="4336258"/>
+            <a:off x="313402" y="1364461"/>
+            <a:ext cx="8504113" cy="4220117"/>
           </a:xfrm>
         </p:spPr>
         <p:txBody>
@@ -8255,31 +8660,42 @@
             <a:r>
               <a:rPr lang="en-US" sz="4400" dirty="0" smtClean="0">
                 <a:solidFill>
+                  <a:srgbClr val="008000"/>
+                </a:solidFill>
+                <a:latin typeface="Comic Sans MS"/>
+              </a:rPr>
+              <a:t>computable</a:t>
+            </a:r>
+            <a:r>
+              <a:rPr lang="en-US" sz="4400" dirty="0" smtClean="0">
+                <a:solidFill>
                   <a:srgbClr val="9933FF"/>
                 </a:solidFill>
                 <a:latin typeface="Comic Sans MS"/>
               </a:rPr>
-              <a:t>computable </a:t>
+              <a:t> </a:t>
+            </a:r>
+            <a:r>
+              <a:rPr lang="en-US" sz="4400" dirty="0" err="1" smtClean="0">
+                <a:latin typeface="Comic Sans MS"/>
+              </a:rPr>
+              <a:t>iff</a:t>
             </a:r>
             <a:r>
               <a:rPr lang="en-US" sz="4400" dirty="0" smtClean="0">
                 <a:latin typeface="Comic Sans MS"/>
               </a:rPr>
-              <a:t>iff </a:t>
-            </a:r>
-            <a:r>
-              <a:rPr lang="en-US" sz="5400" b="1" dirty="0" smtClean="0">
-                <a:latin typeface="Euclid Symbol" charset="2"/>
-                <a:cs typeface="Euclid Symbol" charset="2"/>
-              </a:rPr>
-              <a:t>∃</a:t>
+              <a:t> </a:t>
             </a:r>
             <a:r>
               <a:rPr lang="en-US" sz="4400" dirty="0" smtClean="0">
                 <a:latin typeface="Comic Sans MS"/>
               </a:rPr>
-              <a:t> a program that </a:t>
-            </a:r>
+              <a:t>some</a:t>
+            </a:r>
+            <a:endParaRPr lang="en-US" sz="4400" dirty="0" smtClean="0">
+              <a:latin typeface="Comic Sans MS"/>
+            </a:endParaRPr>
           </a:p>
           <a:p>
             <a:r>
@@ -8289,39 +8705,63 @@
                 </a:solidFill>
                 <a:latin typeface="Comic Sans MS"/>
               </a:rPr>
-              <a:t>computes its digits</a:t>
+              <a:t>procedure</a:t>
             </a:r>
             <a:r>
               <a:rPr lang="en-US" sz="4400" dirty="0" smtClean="0">
                 <a:latin typeface="Comic Sans MS"/>
               </a:rPr>
-              <a:t>.</a:t>
-            </a:r>
-          </a:p>
-          <a:p>
+              <a:t> computes </a:t>
+            </a:r>
             <a:r>
               <a:rPr lang="en-US" sz="4400" dirty="0" smtClean="0">
                 <a:latin typeface="Comic Sans MS"/>
               </a:rPr>
-              <a:t>(Program applied to argument </a:t>
-            </a:r>
-            <a:r>
-              <a:rPr lang="en-US" sz="4400" dirty="0" smtClean="0">
-                <a:solidFill>
-                  <a:srgbClr val="0000FF"/>
-                </a:solidFill>
+              <a:t>its digits</a:t>
+            </a:r>
+            <a:r>
+              <a:rPr lang="en-US" dirty="0" smtClean="0">
                 <a:latin typeface="Comic Sans MS"/>
               </a:rPr>
-              <a:t>n</a:t>
-            </a:r>
+              <a:t>.</a:t>
+            </a:r>
+          </a:p>
+          <a:p>
             <a:r>
               <a:rPr lang="en-US" sz="4400" dirty="0" smtClean="0">
                 <a:latin typeface="Comic Sans MS"/>
               </a:rPr>
-              <a:t> </a:t>
-            </a:r>
-          </a:p>
-          <a:p>
+              <a:t>(</a:t>
+            </a:r>
+            <a:r>
+              <a:rPr lang="en-US" sz="4400" dirty="0" smtClean="0">
+                <a:latin typeface="Comic Sans MS"/>
+              </a:rPr>
+              <a:t>Procedure </a:t>
+            </a:r>
+            <a:r>
+              <a:rPr lang="en-US" sz="4400" dirty="0" smtClean="0">
+                <a:latin typeface="Comic Sans MS"/>
+              </a:rPr>
+              <a:t>applied to </a:t>
+            </a:r>
+            <a:r>
+              <a:rPr lang="en-US" sz="4400" dirty="0" smtClean="0">
+                <a:latin typeface="Comic Sans MS"/>
+              </a:rPr>
+              <a:t>argument</a:t>
+            </a:r>
+          </a:p>
+          <a:p>
+            <a:r>
+              <a:rPr lang="en-US" sz="4400" dirty="0" smtClean="0">
+                <a:solidFill>
+                  <a:srgbClr val="0000FF"/>
+                </a:solidFill>
+                <a:latin typeface="Comic Sans MS"/>
+              </a:rPr>
+              <a:t>  n </a:t>
+            </a:r>
             <a:r>
               <a:rPr lang="en-US" sz="4400" dirty="0" smtClean="0">
                 <a:latin typeface="Comic Sans MS"/>
@@ -8526,7 +8966,7 @@
                                     </p:set>
                                     <p:animEffect transition="in" filter="fade">
                                       <p:cBhvr>
-                                        <p:cTn id="15" dur="500"/>
+                                        <p:cTn id="15" dur="1000"/>
                                         <p:tgtEl>
                                           <p:spTgt spid="4">
                                             <p:txEl>
@@ -8630,7 +9070,7 @@
                                     </p:set>
                                     <p:animEffect transition="in" filter="fade">
                                       <p:cBhvr>
-                                        <p:cTn id="23" dur="500"/>
+                                        <p:cTn id="23" dur="1000"/>
                                         <p:tgtEl>
                                           <p:spTgt spid="4">
                                             <p:txEl>
@@ -8713,54 +9153,47 @@
           <a:p>
             <a:r>
               <a:rPr lang="en-US" sz="4400" dirty="0" smtClean="0"/>
-              <a:t>Only countably many finite </a:t>
-            </a:r>
-          </a:p>
-          <a:p>
+              <a:t>Only </a:t>
+            </a:r>
+            <a:r>
+              <a:rPr lang="en-US" sz="4400" dirty="0" smtClean="0">
+                <a:solidFill>
+                  <a:srgbClr val="008000"/>
+                </a:solidFill>
+              </a:rPr>
+              <a:t>countably</a:t>
+            </a:r>
             <a:r>
               <a:rPr lang="en-US" sz="4400" dirty="0" smtClean="0"/>
-              <a:t>strings over the 256 character</a:t>
+              <a:t> many finite </a:t>
             </a:r>
           </a:p>
           <a:p>
             <a:r>
               <a:rPr lang="en-US" sz="4400" dirty="0" smtClean="0">
                 <a:solidFill>
+                  <a:srgbClr val="0000FF"/>
+                </a:solidFill>
+                <a:latin typeface="Comic Sans MS"/>
+              </a:rPr>
+              <a:t>ASCII</a:t>
+            </a:r>
+            <a:r>
+              <a:rPr lang="en-US" sz="4400" dirty="0" smtClean="0">
+                <a:solidFill>
                   <a:schemeClr val="tx2"/>
                 </a:solidFill>
                 <a:latin typeface="Comic Sans MS"/>
               </a:rPr>
-              <a:t>ASCII alphabet.</a:t>
-            </a:r>
-          </a:p>
-          <a:p>
-            <a:r>
-              <a:rPr lang="en-US" sz="4400" dirty="0" smtClean="0">
-                <a:solidFill>
-                  <a:schemeClr val="tx2"/>
-                </a:solidFill>
-                <a:latin typeface="Comic Sans MS"/>
-              </a:rPr>
-              <a:t>(List them in order of length.)</a:t>
-            </a:r>
-          </a:p>
-          <a:p>
-            <a:r>
-              <a:rPr lang="en-US" sz="4400" dirty="0"/>
-              <a:t>So only countably </a:t>
+              <a:t> </a:t>
             </a:r>
             <a:r>
               <a:rPr lang="en-US" sz="4400" dirty="0" smtClean="0"/>
-              <a:t>many programs</a:t>
-            </a:r>
-            <a:endParaRPr lang="en-US" sz="4400" dirty="0"/>
-          </a:p>
-          <a:p>
-            <a:r>
-              <a:rPr lang="en-US" sz="4400" dirty="0"/>
-              <a:t>(written in ASCII).</a:t>
-            </a:r>
-            <a:endParaRPr lang="en-US" sz="4400" dirty="0">
+              <a:t>strings.  </a:t>
+            </a:r>
+          </a:p>
+          <a:p>
+            <a:endParaRPr lang="en-US" sz="4400" dirty="0" smtClean="0">
               <a:solidFill>
                 <a:schemeClr val="tx2"/>
               </a:solidFill>
@@ -8768,6 +9201,86 @@
             </a:endParaRPr>
           </a:p>
           <a:p>
+            <a:r>
+              <a:rPr lang="en-US" sz="4400" dirty="0" smtClean="0">
+                <a:solidFill>
+                  <a:schemeClr val="tx2"/>
+                </a:solidFill>
+                <a:latin typeface="Comic Sans MS"/>
+              </a:rPr>
+              <a:t>Procedures can be expressed in </a:t>
+            </a:r>
+          </a:p>
+          <a:p>
+            <a:r>
+              <a:rPr lang="en-US" sz="4400" dirty="0" smtClean="0">
+                <a:solidFill>
+                  <a:srgbClr val="0000FF"/>
+                </a:solidFill>
+                <a:latin typeface="Comic Sans MS"/>
+              </a:rPr>
+              <a:t>ASCII</a:t>
+            </a:r>
+            <a:r>
+              <a:rPr lang="en-US" sz="4400" dirty="0" smtClean="0">
+                <a:solidFill>
+                  <a:schemeClr val="tx2"/>
+                </a:solidFill>
+                <a:latin typeface="Comic Sans MS"/>
+              </a:rPr>
+              <a:t>, s</a:t>
+            </a:r>
+            <a:r>
+              <a:rPr lang="en-US" sz="4400" dirty="0" smtClean="0"/>
+              <a:t>o only</a:t>
+            </a:r>
+          </a:p>
+          <a:p>
+            <a:pPr algn="ctr"/>
+            <a:r>
+              <a:rPr lang="en-US" sz="4400" dirty="0" err="1" smtClean="0">
+                <a:solidFill>
+                  <a:srgbClr val="008000"/>
+                </a:solidFill>
+              </a:rPr>
+              <a:t>countably</a:t>
+            </a:r>
+            <a:r>
+              <a:rPr lang="en-US" sz="4400" dirty="0" smtClean="0">
+                <a:solidFill>
+                  <a:srgbClr val="008000"/>
+                </a:solidFill>
+              </a:rPr>
+              <a:t> </a:t>
+            </a:r>
+            <a:r>
+              <a:rPr lang="en-US" sz="4400" dirty="0" smtClean="0">
+                <a:solidFill>
+                  <a:srgbClr val="000000"/>
+                </a:solidFill>
+              </a:rPr>
+              <a:t>many</a:t>
+            </a:r>
+            <a:r>
+              <a:rPr lang="en-US" sz="4400" dirty="0" smtClean="0">
+                <a:solidFill>
+                  <a:srgbClr val="008000"/>
+                </a:solidFill>
+              </a:rPr>
+              <a:t> </a:t>
+            </a:r>
+            <a:r>
+              <a:rPr lang="en-US" sz="4400" dirty="0" smtClean="0">
+                <a:solidFill>
+                  <a:srgbClr val="9933FF"/>
+                </a:solidFill>
+              </a:rPr>
+              <a:t>procedures</a:t>
+            </a:r>
+            <a:r>
+              <a:rPr lang="en-US" sz="4400" dirty="0" smtClean="0"/>
+              <a:t>.</a:t>
+            </a:r>
             <a:endParaRPr lang="en-US" sz="4400" dirty="0" smtClean="0">
               <a:solidFill>
                 <a:schemeClr val="tx2"/>
@@ -8821,11 +9334,99 @@
                 </a:solidFill>
                 <a:latin typeface="Comic Sans MS"/>
               </a:rPr>
-              <a:t>is countable</a:t>
+              <a:t>is </a:t>
+            </a:r>
+            <a:r>
+              <a:rPr lang="en-US" sz="4400" b="0" dirty="0" smtClean="0">
+                <a:solidFill>
+                  <a:srgbClr val="008000"/>
+                </a:solidFill>
+                <a:latin typeface="Comic Sans MS"/>
+              </a:rPr>
+              <a:t>countable</a:t>
             </a:r>
             <a:endParaRPr lang="en-US" b="0" dirty="0">
               <a:solidFill>
-                <a:srgbClr val="000000"/>
+                <a:srgbClr val="008000"/>
+              </a:solidFill>
+              <a:latin typeface="Comic Sans MS"/>
+            </a:endParaRPr>
+          </a:p>
+        </p:txBody>
+      </p:sp>
+      <p:sp>
+        <p:nvSpPr>
+          <p:cNvPr id="2" name="TextBox 1"/>
+          <p:cNvSpPr txBox="1"/>
+          <p:nvPr/>
+        </p:nvSpPr>
+        <p:spPr>
+          <a:xfrm>
+            <a:off x="169035" y="2174123"/>
+            <a:ext cx="7914822" cy="1570686"/>
+          </a:xfrm>
+          <a:prstGeom prst="rect">
+            <a:avLst/>
+          </a:prstGeom>
+          <a:noFill/>
+        </p:spPr>
+        <p:txBody>
+          <a:bodyPr wrap="none" rtlCol="0">
+            <a:spAutoFit/>
+          </a:bodyPr>
+          <a:lstStyle/>
+          <a:p>
+            <a:pPr>
+              <a:lnSpc>
+                <a:spcPct val="110000"/>
+              </a:lnSpc>
+            </a:pPr>
+            <a:r>
+              <a:rPr lang="en-US" sz="4400" dirty="0" smtClean="0">
+                <a:solidFill>
+                  <a:schemeClr val="tx2"/>
+                </a:solidFill>
+                <a:latin typeface="Comic Sans MS"/>
+              </a:rPr>
+              <a:t>                          (</a:t>
+            </a:r>
+            <a:r>
+              <a:rPr lang="en-US" sz="4400" dirty="0">
+                <a:solidFill>
+                  <a:schemeClr val="tx2"/>
+                </a:solidFill>
+                <a:latin typeface="Comic Sans MS"/>
+              </a:rPr>
+              <a:t>List them in </a:t>
+            </a:r>
+          </a:p>
+          <a:p>
+            <a:pPr>
+              <a:lnSpc>
+                <a:spcPct val="110000"/>
+              </a:lnSpc>
+            </a:pPr>
+            <a:r>
+              <a:rPr lang="en-US" sz="4400" dirty="0">
+                <a:solidFill>
+                  <a:schemeClr val="tx2"/>
+                </a:solidFill>
+                <a:latin typeface="Comic Sans MS"/>
+              </a:rPr>
+              <a:t>order of length.</a:t>
+            </a:r>
+            <a:r>
+              <a:rPr lang="en-US" sz="4400" dirty="0" smtClean="0">
+                <a:solidFill>
+                  <a:schemeClr val="tx2"/>
+                </a:solidFill>
+                <a:latin typeface="Comic Sans MS"/>
+              </a:rPr>
+              <a:t>)</a:t>
+            </a:r>
+            <a:endParaRPr lang="en-US" sz="4400" dirty="0">
+              <a:solidFill>
+                <a:schemeClr val="tx2"/>
               </a:solidFill>
               <a:latin typeface="Comic Sans MS"/>
             </a:endParaRPr>
@@ -8954,25 +9555,39 @@
                                   </p:childTnLst>
                                 </p:cTn>
                               </p:par>
+                            </p:childTnLst>
+                          </p:cTn>
+                        </p:par>
+                      </p:childTnLst>
+                    </p:cTn>
+                  </p:par>
+                  <p:par>
+                    <p:cTn id="11" fill="hold">
+                      <p:stCondLst>
+                        <p:cond delay="indefinite"/>
+                      </p:stCondLst>
+                      <p:childTnLst>
+                        <p:par>
+                          <p:cTn id="12" fill="hold">
+                            <p:stCondLst>
+                              <p:cond delay="0"/>
+                            </p:stCondLst>
+                            <p:childTnLst>
                               <p:par>
-                                <p:cTn id="11" presetID="9" presetClass="entr" presetSubtype="0" fill="hold" nodeType="withEffect">
+                                <p:cTn id="13" presetID="10" presetClass="entr" presetSubtype="0" fill="hold" grpId="0" nodeType="clickEffect">
                                   <p:stCondLst>
                                     <p:cond delay="0"/>
                                   </p:stCondLst>
                                   <p:childTnLst>
                                     <p:set>
                                       <p:cBhvr>
-                                        <p:cTn id="12" dur="1" fill="hold">
+                                        <p:cTn id="14" dur="1" fill="hold">
                                           <p:stCondLst>
                                             <p:cond delay="0"/>
                                           </p:stCondLst>
                                         </p:cTn>
                                         <p:tgtEl>
-                                          <p:spTgt spid="4">
-                                            <p:txEl>
-                                              <p:pRg st="2" end="2"/>
-                                            </p:txEl>
-                                          </p:spTgt>
+                                          <p:spTgt spid="2"/>
                                         </p:tgtEl>
                                         <p:attrNameLst>
                                           <p:attrName>style.visibility</p:attrName>
@@ -8982,15 +9597,11 @@
                                         <p:strVal val="visible"/>
                                       </p:to>
                                     </p:set>
-                                    <p:animEffect transition="in" filter="dissolve">
+                                    <p:animEffect transition="in" filter="fade">
                                       <p:cBhvr>
-                                        <p:cTn id="13" dur="500"/>
+                                        <p:cTn id="15" dur="500"/>
                                         <p:tgtEl>
-                                          <p:spTgt spid="4">
-                                            <p:txEl>
-                                              <p:pRg st="2" end="2"/>
-                                            </p:txEl>
-                                          </p:spTgt>
+                                          <p:spTgt spid="2"/>
                                         </p:tgtEl>
                                       </p:cBhvr>
                                     </p:animEffect>
@@ -9004,26 +9615,26 @@
                     </p:cTn>
                   </p:par>
                   <p:par>
-                    <p:cTn id="14" fill="hold">
+                    <p:cTn id="16" fill="hold">
                       <p:stCondLst>
                         <p:cond delay="indefinite"/>
                       </p:stCondLst>
                       <p:childTnLst>
                         <p:par>
-                          <p:cTn id="15" fill="hold">
+                          <p:cTn id="17" fill="hold">
                             <p:stCondLst>
                               <p:cond delay="0"/>
                             </p:stCondLst>
                             <p:childTnLst>
                               <p:par>
-                                <p:cTn id="16" presetID="9" presetClass="entr" presetSubtype="0" fill="hold" nodeType="clickEffect">
+                                <p:cTn id="18" presetID="9" presetClass="entr" presetSubtype="0" fill="hold" nodeType="clickEffect">
                                   <p:stCondLst>
                                     <p:cond delay="0"/>
                                   </p:stCondLst>
                                   <p:childTnLst>
                                     <p:set>
                                       <p:cBhvr>
-                                        <p:cTn id="17" dur="1" fill="hold">
+                                        <p:cTn id="19" dur="1" fill="hold">
                                           <p:stCondLst>
                                             <p:cond delay="0"/>
                                           </p:stCondLst>
@@ -9045,7 +9656,7 @@
                                     </p:set>
                                     <p:animEffect transition="in" filter="dissolve">
                                       <p:cBhvr>
-                                        <p:cTn id="18" dur="500"/>
+                                        <p:cTn id="20" dur="500"/>
                                         <p:tgtEl>
                                           <p:spTgt spid="4">
                                             <p:txEl>
@@ -9058,26 +9669,8 @@
                                   </p:childTnLst>
                                 </p:cTn>
                               </p:par>
-                            </p:childTnLst>
-                          </p:cTn>
-                        </p:par>
-                      </p:childTnLst>
-                    </p:cTn>
-                  </p:par>
-                  <p:par>
-                    <p:cTn id="19" fill="hold">
-                      <p:stCondLst>
-                        <p:cond delay="indefinite"/>
-                      </p:stCondLst>
-                      <p:childTnLst>
-                        <p:par>
-                          <p:cTn id="20" fill="hold">
-                            <p:stCondLst>
-                              <p:cond delay="0"/>
-                            </p:stCondLst>
-                            <p:childTnLst>
                               <p:par>
-                                <p:cTn id="21" presetID="9" presetClass="entr" presetSubtype="0" fill="hold" nodeType="clickEffect">
+                                <p:cTn id="21" presetID="9" presetClass="entr" presetSubtype="0" fill="hold" nodeType="withEffect">
                                   <p:stCondLst>
                                     <p:cond delay="0"/>
                                   </p:stCondLst>
@@ -9207,6 +9800,9 @@
         </p:cTn>
       </p:par>
     </p:tnLst>
+    <p:bldLst>
+      <p:bldP spid="2" grpId="0"/>
+    </p:bldLst>
   </p:timing>
 </p:sld>
 </file>
@@ -9236,8 +9832,8 @@
         </p:nvSpPr>
         <p:spPr>
           <a:xfrm>
-            <a:off x="325278" y="1512681"/>
-            <a:ext cx="7550865" cy="1446550"/>
+            <a:off x="119636" y="1545983"/>
+            <a:ext cx="9586486" cy="1323439"/>
           </a:xfrm>
           <a:prstGeom prst="rect">
             <a:avLst/>
@@ -9245,65 +9841,55 @@
           <a:noFill/>
         </p:spPr>
         <p:txBody>
-          <a:bodyPr wrap="none" rtlCol="0">
+          <a:bodyPr wrap="square" rtlCol="0">
             <a:spAutoFit/>
           </a:bodyPr>
           <a:lstStyle/>
           <a:p>
             <a:r>
-              <a:rPr lang="en-US" sz="4400" dirty="0" smtClean="0">
+              <a:rPr lang="en-US" sz="4000" dirty="0" smtClean="0">
                 <a:latin typeface="Comic Sans MS"/>
                 <a:cs typeface="Comic Sans MS"/>
               </a:rPr>
-              <a:t>So only countably many</a:t>
-            </a:r>
-          </a:p>
-          <a:p>
-            <a:r>
-              <a:rPr lang="en-US" sz="4400" dirty="0" smtClean="0">
+              <a:t>So only </a:t>
+            </a:r>
+            <a:r>
+              <a:rPr lang="en-US" sz="4000" dirty="0" err="1" smtClean="0">
+                <a:solidFill>
+                  <a:srgbClr val="008000"/>
+                </a:solidFill>
                 <a:latin typeface="Comic Sans MS"/>
                 <a:cs typeface="Comic Sans MS"/>
               </a:rPr>
-              <a:t>computable strings </a:t>
-            </a:r>
-            <a:r>
-              <a:rPr lang="en-US" sz="4400" dirty="0">
+              <a:t>countably</a:t>
+            </a:r>
+            <a:r>
+              <a:rPr lang="en-US" sz="4000" dirty="0" smtClean="0">
+                <a:solidFill>
+                  <a:srgbClr val="008000"/>
+                </a:solidFill>
                 <a:latin typeface="Comic Sans MS"/>
                 <a:cs typeface="Comic Sans MS"/>
               </a:rPr>
-              <a:t>in </a:t>
-            </a:r>
-            <a:r>
-              <a:rPr lang="en-US" sz="4400" dirty="0">
-                <a:solidFill>
-                  <a:srgbClr val="0000FF"/>
-                </a:solidFill>
+              <a:t> </a:t>
+            </a:r>
+            <a:r>
+              <a:rPr lang="en-US" sz="4000" dirty="0" smtClean="0">
                 <a:latin typeface="Comic Sans MS"/>
                 <a:cs typeface="Comic Sans MS"/>
               </a:rPr>
-              <a:t>{0,1}</a:t>
-            </a:r>
-            <a:r>
-              <a:rPr lang="en-US" sz="4400" baseline="30000" dirty="0">
-                <a:solidFill>
-                  <a:srgbClr val="0000FF"/>
-                </a:solidFill>
+              <a:t>many computable</a:t>
+            </a:r>
+          </a:p>
+          <a:p>
+            <a:r>
+              <a:rPr lang="en-US" sz="4000" dirty="0" smtClean="0">
                 <a:latin typeface="Comic Sans MS"/>
                 <a:cs typeface="Comic Sans MS"/>
               </a:rPr>
-              <a:t>ω</a:t>
-            </a:r>
-            <a:r>
-              <a:rPr lang="en-US" sz="4400" dirty="0" smtClean="0">
-                <a:solidFill>
-                  <a:schemeClr val="tx2"/>
-                </a:solidFill>
-                <a:latin typeface="Comic Sans MS"/>
-                <a:cs typeface="Comic Sans MS"/>
-              </a:rPr>
-              <a:t>.</a:t>
-            </a:r>
-            <a:endParaRPr lang="en-US" sz="4400" dirty="0">
+              <a:t>infinite binary strings.</a:t>
+            </a:r>
+            <a:endParaRPr lang="en-US" sz="4000" dirty="0">
               <a:solidFill>
                 <a:schemeClr val="tx2"/>
               </a:solidFill>
@@ -9390,8 +9976,8 @@
         </p:nvSpPr>
         <p:spPr>
           <a:xfrm>
-            <a:off x="306143" y="2956631"/>
-            <a:ext cx="8837857" cy="2123658"/>
+            <a:off x="164184" y="2947429"/>
+            <a:ext cx="8837857" cy="2800767"/>
           </a:xfrm>
           <a:prstGeom prst="rect">
             <a:avLst/>
@@ -9425,66 +10011,184 @@
               <a:t>{0,1}</a:t>
             </a:r>
             <a:r>
-              <a:rPr lang="en-US" sz="4400" baseline="30000" dirty="0">
+              <a:rPr lang="en-US" sz="4400" baseline="30000" dirty="0" err="1">
                 <a:solidFill>
                   <a:srgbClr val="0000FF"/>
                 </a:solidFill>
                 <a:latin typeface="Comic Sans MS"/>
                 <a:cs typeface="Comic Sans MS"/>
               </a:rPr>
-              <a:t>ω </a:t>
-            </a:r>
-            <a:r>
-              <a:rPr lang="en-US" sz="4400" dirty="0" smtClean="0">
-                <a:solidFill>
-                  <a:schemeClr val="tx2"/>
-                </a:solidFill>
+              <a:t>ω</a:t>
+            </a:r>
+            <a:r>
+              <a:rPr lang="en-US" sz="4400" dirty="0">
                 <a:latin typeface="Comic Sans MS"/>
                 <a:cs typeface="Comic Sans MS"/>
               </a:rPr>
-              <a:t>uncountable, so there must be </a:t>
+              <a:t> </a:t>
             </a:r>
             <a:r>
               <a:rPr lang="en-US" sz="4400" dirty="0" smtClean="0">
-                <a:solidFill>
-                  <a:srgbClr val="F50802"/>
-                </a:solidFill>
                 <a:latin typeface="Comic Sans MS"/>
                 <a:cs typeface="Comic Sans MS"/>
               </a:rPr>
-              <a:t>non</a:t>
-            </a:r>
-            <a:r>
-              <a:rPr lang="en-US" sz="4400" dirty="0" smtClean="0">
-                <a:solidFill>
-                  <a:schemeClr val="tx2"/>
+              <a:t>is</a:t>
+            </a:r>
+            <a:r>
+              <a:rPr lang="en-US" sz="4400" baseline="30000" dirty="0" smtClean="0">
+                <a:solidFill>
+                  <a:srgbClr val="0000FF"/>
                 </a:solidFill>
                 <a:latin typeface="Comic Sans MS"/>
                 <a:cs typeface="Comic Sans MS"/>
               </a:rPr>
-              <a:t>computable strings,</a:t>
-            </a:r>
-          </a:p>
-          <a:p>
+              <a:t> </a:t>
+            </a:r>
             <a:r>
               <a:rPr lang="en-US" sz="4400" dirty="0" smtClean="0">
                 <a:solidFill>
-                  <a:schemeClr val="tx2"/>
+                  <a:srgbClr val="F50802"/>
                 </a:solidFill>
                 <a:latin typeface="Comic Sans MS"/>
                 <a:cs typeface="Comic Sans MS"/>
               </a:rPr>
-              <a:t>in </a:t>
-            </a:r>
-            <a:r>
-              <a:rPr lang="en-US" sz="4400" dirty="0">
+              <a:t>un</a:t>
+            </a:r>
+            <a:r>
+              <a:rPr lang="en-US" sz="4400" dirty="0" smtClean="0">
                 <a:solidFill>
                   <a:schemeClr val="tx2"/>
                 </a:solidFill>
                 <a:latin typeface="Comic Sans MS"/>
                 <a:cs typeface="Comic Sans MS"/>
               </a:rPr>
-              <a:t>fact, uncountably many</a:t>
+              <a:t>countable</a:t>
+            </a:r>
+            <a:r>
+              <a:rPr lang="en-US" sz="4400" dirty="0" smtClean="0">
+                <a:solidFill>
+                  <a:schemeClr val="tx2"/>
+                </a:solidFill>
+                <a:latin typeface="Comic Sans MS"/>
+                <a:cs typeface="Comic Sans MS"/>
+              </a:rPr>
+              <a:t>, so there must be </a:t>
+            </a:r>
+            <a:r>
+              <a:rPr lang="en-US" sz="4400" dirty="0" err="1" smtClean="0">
+                <a:solidFill>
+                  <a:srgbClr val="F50802"/>
+                </a:solidFill>
+                <a:latin typeface="Comic Sans MS"/>
+                <a:cs typeface="Comic Sans MS"/>
+              </a:rPr>
+              <a:t>non</a:t>
+            </a:r>
+            <a:r>
+              <a:rPr lang="en-US" sz="4400" dirty="0" err="1" smtClean="0">
+                <a:solidFill>
+                  <a:schemeClr val="tx2"/>
+                </a:solidFill>
+                <a:latin typeface="Comic Sans MS"/>
+                <a:cs typeface="Comic Sans MS"/>
+              </a:rPr>
+              <a:t>computable</a:t>
+            </a:r>
+            <a:r>
+              <a:rPr lang="en-US" sz="4400" dirty="0" smtClean="0">
+                <a:solidFill>
+                  <a:schemeClr val="tx2"/>
+                </a:solidFill>
+                <a:latin typeface="Comic Sans MS"/>
+                <a:cs typeface="Comic Sans MS"/>
+              </a:rPr>
+              <a:t> </a:t>
+            </a:r>
+            <a:r>
+              <a:rPr lang="en-US" sz="4400" dirty="0" smtClean="0">
+                <a:solidFill>
+                  <a:schemeClr val="tx2"/>
+                </a:solidFill>
+                <a:latin typeface="Comic Sans MS"/>
+                <a:cs typeface="Comic Sans MS"/>
+              </a:rPr>
+              <a:t>strings in </a:t>
+            </a:r>
+            <a:r>
+              <a:rPr lang="en-US" sz="4400" dirty="0">
+                <a:solidFill>
+                  <a:srgbClr val="0000FF"/>
+                </a:solidFill>
+                <a:latin typeface="Comic Sans MS"/>
+                <a:cs typeface="Comic Sans MS"/>
+              </a:rPr>
+              <a:t>{0,1}</a:t>
+            </a:r>
+            <a:r>
+              <a:rPr lang="en-US" sz="4400" baseline="30000" dirty="0" err="1">
+                <a:solidFill>
+                  <a:srgbClr val="0000FF"/>
+                </a:solidFill>
+                <a:latin typeface="Comic Sans MS"/>
+                <a:cs typeface="Comic Sans MS"/>
+              </a:rPr>
+              <a:t>ω</a:t>
+            </a:r>
+            <a:endParaRPr lang="en-US" sz="4400" dirty="0" smtClean="0">
+              <a:solidFill>
+                <a:schemeClr val="tx2"/>
+              </a:solidFill>
+              <a:latin typeface="Comic Sans MS"/>
+              <a:cs typeface="Comic Sans MS"/>
+            </a:endParaRPr>
+          </a:p>
+          <a:p>
+            <a:r>
+              <a:rPr lang="en-US" sz="4400" dirty="0" smtClean="0">
+                <a:solidFill>
+                  <a:schemeClr val="tx2"/>
+                </a:solidFill>
+                <a:latin typeface="Comic Sans MS"/>
+                <a:cs typeface="Comic Sans MS"/>
+              </a:rPr>
+              <a:t>—</a:t>
+            </a:r>
+            <a:r>
+              <a:rPr lang="en-US" sz="4400" dirty="0">
+                <a:solidFill>
+                  <a:schemeClr val="tx2"/>
+                </a:solidFill>
+                <a:latin typeface="Comic Sans MS"/>
+                <a:cs typeface="Comic Sans MS"/>
+              </a:rPr>
+              <a:t>in </a:t>
+            </a:r>
+            <a:r>
+              <a:rPr lang="en-US" sz="4400" dirty="0">
+                <a:solidFill>
+                  <a:schemeClr val="tx2"/>
+                </a:solidFill>
+                <a:latin typeface="Comic Sans MS"/>
+                <a:cs typeface="Comic Sans MS"/>
+              </a:rPr>
+              <a:t>fact, </a:t>
+            </a:r>
+            <a:r>
+              <a:rPr lang="en-US" sz="4400" dirty="0">
+                <a:solidFill>
+                  <a:srgbClr val="F50802"/>
+                </a:solidFill>
+                <a:latin typeface="Comic Sans MS"/>
+                <a:cs typeface="Comic Sans MS"/>
+              </a:rPr>
+              <a:t>un</a:t>
+            </a:r>
+            <a:r>
+              <a:rPr lang="en-US" sz="4400" dirty="0">
+                <a:latin typeface="Comic Sans MS"/>
+                <a:cs typeface="Comic Sans MS"/>
+              </a:rPr>
+              <a:t>countably many</a:t>
             </a:r>
             <a:r>
               <a:rPr lang="en-US" sz="4400" dirty="0" smtClean="0">
@@ -9588,21 +10292,30 @@
                             </p:childTnLst>
                           </p:cTn>
                         </p:par>
+                      </p:childTnLst>
+                    </p:cTn>
+                  </p:par>
+                  <p:par>
+                    <p:cTn id="8" fill="hold">
+                      <p:stCondLst>
+                        <p:cond delay="indefinite"/>
+                      </p:stCondLst>
+                      <p:childTnLst>
                         <p:par>
-                          <p:cTn id="8" fill="hold">
+                          <p:cTn id="9" fill="hold">
                             <p:stCondLst>
-                              <p:cond delay="500"/>
+                              <p:cond delay="0"/>
                             </p:stCondLst>
                             <p:childTnLst>
                               <p:par>
-                                <p:cTn id="9" presetID="9" presetClass="entr" presetSubtype="0" fill="hold" grpId="0" nodeType="afterEffect">
+                                <p:cTn id="10" presetID="9" presetClass="entr" presetSubtype="0" fill="hold" grpId="0" nodeType="clickEffect">
                                   <p:stCondLst>
                                     <p:cond delay="0"/>
                                   </p:stCondLst>
                                   <p:childTnLst>
                                     <p:set>
                                       <p:cBhvr>
-                                        <p:cTn id="10" dur="1" fill="hold">
+                                        <p:cTn id="11" dur="1" fill="hold">
                                           <p:stCondLst>
                                             <p:cond delay="0"/>
                                           </p:stCondLst>
@@ -9620,7 +10333,7 @@
                                     </p:set>
                                     <p:animEffect transition="in" filter="dissolve">
                                       <p:cBhvr>
-                                        <p:cTn id="11" dur="1000"/>
+                                        <p:cTn id="12" dur="1000"/>
                                         <p:tgtEl>
                                           <p:spTgt spid="7"/>
                                         </p:tgtEl>
@@ -9636,26 +10349,26 @@
                     </p:cTn>
                   </p:par>
                   <p:par>
-                    <p:cTn id="12" fill="hold">
+                    <p:cTn id="13" fill="hold">
                       <p:stCondLst>
                         <p:cond delay="indefinite"/>
                       </p:stCondLst>
                       <p:childTnLst>
                         <p:par>
-                          <p:cTn id="13" fill="hold">
+                          <p:cTn id="14" fill="hold">
                             <p:stCondLst>
                               <p:cond delay="0"/>
                             </p:stCondLst>
                             <p:childTnLst>
                               <p:par>
-                                <p:cTn id="14" presetID="9" presetClass="entr" presetSubtype="0" fill="hold" grpId="0" nodeType="clickEffect">
+                                <p:cTn id="15" presetID="9" presetClass="entr" presetSubtype="0" fill="hold" grpId="0" nodeType="clickEffect">
                                   <p:stCondLst>
                                     <p:cond delay="0"/>
                                   </p:stCondLst>
                                   <p:childTnLst>
                                     <p:set>
                                       <p:cBhvr>
-                                        <p:cTn id="15" dur="1" fill="hold">
+                                        <p:cTn id="16" dur="1" fill="hold">
                                           <p:stCondLst>
                                             <p:cond delay="0"/>
                                           </p:stCondLst>
@@ -9677,7 +10390,7 @@
                                     </p:set>
                                     <p:animEffect transition="in" filter="dissolve">
                                       <p:cBhvr>
-                                        <p:cTn id="16" dur="500"/>
+                                        <p:cTn id="17" dur="500"/>
                                         <p:tgtEl>
                                           <p:spTgt spid="8">
                                             <p:txEl>
@@ -10002,11 +10715,41 @@
             <a:r>
               <a:rPr lang="en-US" sz="4400" dirty="0" smtClean="0">
                 <a:solidFill>
+                  <a:srgbClr val="0000FF"/>
+                </a:solidFill>
+                <a:latin typeface="Comic Sans MS"/>
+              </a:rPr>
+              <a:t>Halting Problem</a:t>
+            </a:r>
+          </a:p>
+          <a:p>
+            <a:pPr algn="ctr"/>
+            <a:r>
+              <a:rPr lang="en-US" sz="4400" dirty="0" smtClean="0">
+                <a:solidFill>
+                  <a:srgbClr val="000000"/>
+                </a:solidFill>
+                <a:latin typeface="Comic Sans MS"/>
+              </a:rPr>
+              <a:t>is</a:t>
+            </a:r>
+            <a:r>
+              <a:rPr lang="en-US" sz="4400" dirty="0" smtClean="0">
+                <a:solidFill>
                   <a:srgbClr val="008000"/>
                 </a:solidFill>
                 <a:latin typeface="Comic Sans MS"/>
               </a:rPr>
-              <a:t>Halting Problem</a:t>
+              <a:t> </a:t>
+            </a:r>
+            <a:r>
+              <a:rPr lang="en-US" sz="4400" dirty="0" smtClean="0">
+                <a:solidFill>
+                  <a:srgbClr val="F50802"/>
+                </a:solidFill>
+                <a:latin typeface="Comic Sans MS"/>
+              </a:rPr>
+              <a:t>not decidable</a:t>
             </a:r>
           </a:p>
           <a:p>
@@ -10018,38 +10761,23 @@
                 </a:solidFill>
                 <a:latin typeface="Comic Sans MS"/>
               </a:rPr>
-              <a:t>is</a:t>
+              <a:t>by computational </a:t>
             </a:r>
             <a:r>
               <a:rPr lang="en-US" sz="4400" dirty="0" smtClean="0">
                 <a:solidFill>
-                  <a:srgbClr val="008000"/>
+                  <a:srgbClr val="9933FF"/>
                 </a:solidFill>
                 <a:latin typeface="Comic Sans MS"/>
               </a:rPr>
-              <a:t> </a:t>
-            </a:r>
-            <a:r>
-              <a:rPr lang="en-US" sz="4400" dirty="0" smtClean="0">
-                <a:solidFill>
-                  <a:srgbClr val="F50802"/>
-                </a:solidFill>
-                <a:latin typeface="Comic Sans MS"/>
-              </a:rPr>
-              <a:t>not decidable</a:t>
-            </a:r>
-          </a:p>
-          <a:p>
-            <a:pPr algn="ctr"/>
-            <a:r>
-              <a:rPr lang="en-US" sz="4400" dirty="0" smtClean="0">
-                <a:solidFill>
-                  <a:srgbClr val="000000"/>
-                </a:solidFill>
-                <a:latin typeface="Comic Sans MS"/>
-              </a:rPr>
-              <a:t>(by computer programs)</a:t>
-            </a:r>
+              <a:t>procedures</a:t>
+            </a:r>
+            <a:endParaRPr lang="en-US" sz="4400" dirty="0" smtClean="0">
+              <a:solidFill>
+                <a:srgbClr val="9933FF"/>
+              </a:solidFill>
+              <a:latin typeface="Comic Sans MS"/>
+            </a:endParaRPr>
           </a:p>
         </p:txBody>
       </p:sp>
@@ -10386,7 +11114,15 @@
             </a:r>
             <a:r>
               <a:rPr lang="en-US" dirty="0"/>
-              <a:t>") returns 2</a:t>
+              <a:t>") returns </a:t>
+            </a:r>
+            <a:r>
+              <a:rPr lang="en-US" dirty="0">
+                <a:solidFill>
+                  <a:srgbClr val="0000FF"/>
+                </a:solidFill>
+              </a:rPr>
+              <a:t>2</a:t>
             </a:r>
           </a:p>
           <a:p>
@@ -10415,7 +11151,11 @@
               <a:t>") returns "</a:t>
             </a:r>
             <a:r>
-              <a:rPr lang="en-US" dirty="0" err="1"/>
+              <a:rPr lang="en-US" dirty="0" err="1">
+                <a:solidFill>
+                  <a:srgbClr val="0000FF"/>
+                </a:solidFill>
+              </a:rPr>
               <a:t>meyer</a:t>
             </a:r>
             <a:r>
@@ -10831,8 +11571,8 @@
         </p:nvSpPr>
         <p:spPr>
           <a:xfrm>
-            <a:off x="458788" y="1523815"/>
-            <a:ext cx="8229600" cy="4525963"/>
+            <a:off x="593893" y="1613886"/>
+            <a:ext cx="7917395" cy="3619404"/>
           </a:xfrm>
         </p:spPr>
         <p:txBody>
@@ -10853,7 +11593,11 @@
             </a:r>
             <a:r>
               <a:rPr lang="en-US" sz="4800" dirty="0"/>
-              <a:t> be the text </a:t>
+              <a:t> be the </a:t>
+            </a:r>
+            <a:r>
+              <a:rPr lang="en-US" sz="4800" dirty="0" smtClean="0"/>
+              <a:t>ASCII </a:t>
             </a:r>
             <a:r>
               <a:rPr lang="en-US" sz="4800" dirty="0" smtClean="0"/>
@@ -10863,20 +11607,21 @@
           <a:p>
             <a:r>
               <a:rPr lang="en-US" sz="4800" dirty="0" smtClean="0"/>
-              <a:t>from which </a:t>
-            </a:r>
-            <a:r>
-              <a:rPr lang="en-US" sz="4800" dirty="0">
+              <a:t>defining </a:t>
+            </a:r>
+            <a:r>
+              <a:rPr lang="en-US" sz="4800" dirty="0" smtClean="0">
                 <a:solidFill>
                   <a:srgbClr val="9933FF"/>
                 </a:solidFill>
               </a:rPr>
-              <a:t>P </a:t>
-            </a:r>
-            <a:r>
-              <a:rPr lang="en-US" sz="4800" dirty="0"/>
-              <a:t>was compiled.</a:t>
-            </a:r>
+              <a:t>P</a:t>
+            </a:r>
+            <a:r>
+              <a:rPr lang="en-US" sz="4800" dirty="0" smtClean="0"/>
+              <a:t>.</a:t>
+            </a:r>
+            <a:endParaRPr lang="en-US" sz="4800" dirty="0"/>
           </a:p>
           <a:p>
             <a:r>
@@ -10905,10 +11650,17 @@
             </a:r>
             <a:r>
               <a:rPr lang="en-US" sz="4800" dirty="0"/>
-              <a:t> if </a:t>
-            </a:r>
-            <a:r>
-              <a:rPr lang="en-US" sz="4800" dirty="0">
+              <a:t> </a:t>
+            </a:r>
+            <a:r>
+              <a:rPr lang="en-US" sz="4800" dirty="0" err="1" smtClean="0"/>
+              <a:t>iff</a:t>
+            </a:r>
+            <a:endParaRPr lang="en-US" sz="4800" dirty="0"/>
+          </a:p>
+          <a:p>
+            <a:r>
+              <a:rPr lang="en-US" sz="4800" dirty="0" smtClean="0">
                 <a:solidFill>
                   <a:srgbClr val="9933FF"/>
                 </a:solidFill>
@@ -11002,6 +11754,67 @@
                                           <p:spTgt spid="3">
                                             <p:txEl>
                                               <p:pRg st="2" end="2"/>
+                                            </p:txEl>
+                                          </p:spTgt>
+                                        </p:tgtEl>
+                                      </p:cBhvr>
+                                    </p:animEffect>
+                                  </p:childTnLst>
+                                </p:cTn>
+                              </p:par>
+                            </p:childTnLst>
+                          </p:cTn>
+                        </p:par>
+                      </p:childTnLst>
+                    </p:cTn>
+                  </p:par>
+                  <p:par>
+                    <p:cTn id="8" fill="hold">
+                      <p:stCondLst>
+                        <p:cond delay="indefinite"/>
+                      </p:stCondLst>
+                      <p:childTnLst>
+                        <p:par>
+                          <p:cTn id="9" fill="hold">
+                            <p:stCondLst>
+                              <p:cond delay="0"/>
+                            </p:stCondLst>
+                            <p:childTnLst>
+                              <p:par>
+                                <p:cTn id="10" presetID="9" presetClass="entr" presetSubtype="0" fill="hold" nodeType="clickEffect">
+                                  <p:stCondLst>
+                                    <p:cond delay="0"/>
+                                  </p:stCondLst>
+                                  <p:childTnLst>
+                                    <p:set>
+                                      <p:cBhvr>
+                                        <p:cTn id="11" dur="1" fill="hold">
+                                          <p:stCondLst>
+                                            <p:cond delay="0"/>
+                                          </p:stCondLst>
+                                        </p:cTn>
+                                        <p:tgtEl>
+                                          <p:spTgt spid="3">
+                                            <p:txEl>
+                                              <p:pRg st="3" end="3"/>
+                                            </p:txEl>
+                                          </p:spTgt>
+                                        </p:tgtEl>
+                                        <p:attrNameLst>
+                                          <p:attrName>style.visibility</p:attrName>
+                                        </p:attrNameLst>
+                                      </p:cBhvr>
+                                      <p:to>
+                                        <p:strVal val="visible"/>
+                                      </p:to>
+                                    </p:set>
+                                    <p:animEffect transition="in" filter="dissolve">
+                                      <p:cBhvr>
+                                        <p:cTn id="12" dur="500"/>
+                                        <p:tgtEl>
+                                          <p:spTgt spid="3">
+                                            <p:txEl>
+                                              <p:pRg st="3" end="3"/>
                                             </p:txEl>
                                           </p:spTgt>
                                         </p:tgtEl>
